--- a/module-1/Assignment 1.2 Presentation - Hinz.pptx
+++ b/module-1/Assignment 1.2 Presentation - Hinz.pptx
@@ -4,6 +4,9 @@
   <p:sldMasterIdLst>
     <p:sldMasterId id="2147483648" r:id="rId1"/>
   </p:sldMasterIdLst>
+  <p:notesMasterIdLst>
+    <p:notesMasterId r:id="rId17"/>
+  </p:notesMasterIdLst>
   <p:sldIdLst>
     <p:sldId id="256" r:id="rId2"/>
     <p:sldId id="257" r:id="rId3"/>
@@ -19,6 +22,7 @@
     <p:sldId id="267" r:id="rId13"/>
     <p:sldId id="268" r:id="rId14"/>
     <p:sldId id="269" r:id="rId15"/>
+    <p:sldId id="270" r:id="rId16"/>
   </p:sldIdLst>
   <p:sldSz cx="12192000" cy="6858000"/>
   <p:notesSz cx="6858000" cy="9144000"/>
@@ -117,7 +121,865 @@
       </a:defRPr>
     </a:lvl9pPr>
   </p:defaultTextStyle>
+  <p:extLst>
+    <p:ext uri="{EFAFB233-063F-42B5-8137-9DF3F51BA10A}">
+      <p15:sldGuideLst xmlns:p15="http://schemas.microsoft.com/office/powerpoint/2012/main"/>
+    </p:ext>
+  </p:extLst>
 </p:presentation>
+</file>
+
+<file path=ppt/notesMasters/notesMaster1.xml><?xml version="1.0" encoding="utf-8"?>
+<p:notesMaster xmlns:a="http://schemas.openxmlformats.org/drawingml/2006/main" xmlns:r="http://schemas.openxmlformats.org/officeDocument/2006/relationships" xmlns:p="http://schemas.openxmlformats.org/presentationml/2006/main">
+  <p:cSld>
+    <p:bg>
+      <p:bgRef idx="1001">
+        <a:schemeClr val="bg1"/>
+      </p:bgRef>
+    </p:bg>
+    <p:spTree>
+      <p:nvGrpSpPr>
+        <p:cNvPr id="1" name=""/>
+        <p:cNvGrpSpPr/>
+        <p:nvPr/>
+      </p:nvGrpSpPr>
+      <p:grpSpPr>
+        <a:xfrm>
+          <a:off x="0" y="0"/>
+          <a:ext cx="0" cy="0"/>
+          <a:chOff x="0" y="0"/>
+          <a:chExt cx="0" cy="0"/>
+        </a:xfrm>
+      </p:grpSpPr>
+      <p:sp>
+        <p:nvSpPr>
+          <p:cNvPr id="2" name="Header Placeholder 1"/>
+          <p:cNvSpPr>
+            <a:spLocks noGrp="1"/>
+          </p:cNvSpPr>
+          <p:nvPr>
+            <p:ph type="hdr" sz="quarter"/>
+          </p:nvPr>
+        </p:nvSpPr>
+        <p:spPr>
+          <a:xfrm>
+            <a:off x="0" y="0"/>
+            <a:ext cx="2971800" cy="458788"/>
+          </a:xfrm>
+          <a:prstGeom prst="rect">
+            <a:avLst/>
+          </a:prstGeom>
+        </p:spPr>
+        <p:txBody>
+          <a:bodyPr vert="horz" lIns="91440" tIns="45720" rIns="91440" bIns="45720" rtlCol="0"/>
+          <a:lstStyle>
+            <a:lvl1pPr algn="l">
+              <a:defRPr sz="1200"/>
+            </a:lvl1pPr>
+          </a:lstStyle>
+          <a:p>
+            <a:endParaRPr lang="en-US"/>
+          </a:p>
+        </p:txBody>
+      </p:sp>
+      <p:sp>
+        <p:nvSpPr>
+          <p:cNvPr id="3" name="Date Placeholder 2"/>
+          <p:cNvSpPr>
+            <a:spLocks noGrp="1"/>
+          </p:cNvSpPr>
+          <p:nvPr>
+            <p:ph type="dt" idx="1"/>
+          </p:nvPr>
+        </p:nvSpPr>
+        <p:spPr>
+          <a:xfrm>
+            <a:off x="3884613" y="0"/>
+            <a:ext cx="2971800" cy="458788"/>
+          </a:xfrm>
+          <a:prstGeom prst="rect">
+            <a:avLst/>
+          </a:prstGeom>
+        </p:spPr>
+        <p:txBody>
+          <a:bodyPr vert="horz" lIns="91440" tIns="45720" rIns="91440" bIns="45720" rtlCol="0"/>
+          <a:lstStyle>
+            <a:lvl1pPr algn="r">
+              <a:defRPr sz="1200"/>
+            </a:lvl1pPr>
+          </a:lstStyle>
+          <a:p>
+            <a:fld id="{339496E7-17FB-2E47-953B-4640BCB89936}" type="datetimeFigureOut">
+              <a:rPr lang="en-US" smtClean="0"/>
+              <a:t>3/22/25</a:t>
+            </a:fld>
+            <a:endParaRPr lang="en-US"/>
+          </a:p>
+        </p:txBody>
+      </p:sp>
+      <p:sp>
+        <p:nvSpPr>
+          <p:cNvPr id="4" name="Slide Image Placeholder 3"/>
+          <p:cNvSpPr>
+            <a:spLocks noGrp="1" noRot="1" noChangeAspect="1"/>
+          </p:cNvSpPr>
+          <p:nvPr>
+            <p:ph type="sldImg" idx="2"/>
+          </p:nvPr>
+        </p:nvSpPr>
+        <p:spPr>
+          <a:xfrm>
+            <a:off x="685800" y="1143000"/>
+            <a:ext cx="5486400" cy="3086100"/>
+          </a:xfrm>
+          <a:prstGeom prst="rect">
+            <a:avLst/>
+          </a:prstGeom>
+          <a:noFill/>
+          <a:ln w="12700">
+            <a:solidFill>
+              <a:prstClr val="black"/>
+            </a:solidFill>
+          </a:ln>
+        </p:spPr>
+        <p:txBody>
+          <a:bodyPr vert="horz" lIns="91440" tIns="45720" rIns="91440" bIns="45720" rtlCol="0" anchor="ctr"/>
+          <a:lstStyle/>
+          <a:p>
+            <a:endParaRPr lang="en-US"/>
+          </a:p>
+        </p:txBody>
+      </p:sp>
+      <p:sp>
+        <p:nvSpPr>
+          <p:cNvPr id="5" name="Notes Placeholder 4"/>
+          <p:cNvSpPr>
+            <a:spLocks noGrp="1"/>
+          </p:cNvSpPr>
+          <p:nvPr>
+            <p:ph type="body" sz="quarter" idx="3"/>
+          </p:nvPr>
+        </p:nvSpPr>
+        <p:spPr>
+          <a:xfrm>
+            <a:off x="685800" y="4400550"/>
+            <a:ext cx="5486400" cy="3600450"/>
+          </a:xfrm>
+          <a:prstGeom prst="rect">
+            <a:avLst/>
+          </a:prstGeom>
+        </p:spPr>
+        <p:txBody>
+          <a:bodyPr vert="horz" lIns="91440" tIns="45720" rIns="91440" bIns="45720" rtlCol="0"/>
+          <a:lstStyle/>
+          <a:p>
+            <a:pPr lvl="0"/>
+            <a:r>
+              <a:rPr lang="en-US"/>
+              <a:t>Click to edit Master text styles</a:t>
+            </a:r>
+          </a:p>
+          <a:p>
+            <a:pPr lvl="1"/>
+            <a:r>
+              <a:rPr lang="en-US"/>
+              <a:t>Second level</a:t>
+            </a:r>
+          </a:p>
+          <a:p>
+            <a:pPr lvl="2"/>
+            <a:r>
+              <a:rPr lang="en-US"/>
+              <a:t>Third level</a:t>
+            </a:r>
+          </a:p>
+          <a:p>
+            <a:pPr lvl="3"/>
+            <a:r>
+              <a:rPr lang="en-US"/>
+              <a:t>Fourth level</a:t>
+            </a:r>
+          </a:p>
+          <a:p>
+            <a:pPr lvl="4"/>
+            <a:r>
+              <a:rPr lang="en-US"/>
+              <a:t>Fifth level</a:t>
+            </a:r>
+          </a:p>
+        </p:txBody>
+      </p:sp>
+      <p:sp>
+        <p:nvSpPr>
+          <p:cNvPr id="6" name="Footer Placeholder 5"/>
+          <p:cNvSpPr>
+            <a:spLocks noGrp="1"/>
+          </p:cNvSpPr>
+          <p:nvPr>
+            <p:ph type="ftr" sz="quarter" idx="4"/>
+          </p:nvPr>
+        </p:nvSpPr>
+        <p:spPr>
+          <a:xfrm>
+            <a:off x="0" y="8685213"/>
+            <a:ext cx="2971800" cy="458787"/>
+          </a:xfrm>
+          <a:prstGeom prst="rect">
+            <a:avLst/>
+          </a:prstGeom>
+        </p:spPr>
+        <p:txBody>
+          <a:bodyPr vert="horz" lIns="91440" tIns="45720" rIns="91440" bIns="45720" rtlCol="0" anchor="b"/>
+          <a:lstStyle>
+            <a:lvl1pPr algn="l">
+              <a:defRPr sz="1200"/>
+            </a:lvl1pPr>
+          </a:lstStyle>
+          <a:p>
+            <a:endParaRPr lang="en-US"/>
+          </a:p>
+        </p:txBody>
+      </p:sp>
+      <p:sp>
+        <p:nvSpPr>
+          <p:cNvPr id="7" name="Slide Number Placeholder 6"/>
+          <p:cNvSpPr>
+            <a:spLocks noGrp="1"/>
+          </p:cNvSpPr>
+          <p:nvPr>
+            <p:ph type="sldNum" sz="quarter" idx="5"/>
+          </p:nvPr>
+        </p:nvSpPr>
+        <p:spPr>
+          <a:xfrm>
+            <a:off x="3884613" y="8685213"/>
+            <a:ext cx="2971800" cy="458787"/>
+          </a:xfrm>
+          <a:prstGeom prst="rect">
+            <a:avLst/>
+          </a:prstGeom>
+        </p:spPr>
+        <p:txBody>
+          <a:bodyPr vert="horz" lIns="91440" tIns="45720" rIns="91440" bIns="45720" rtlCol="0" anchor="b"/>
+          <a:lstStyle>
+            <a:lvl1pPr algn="r">
+              <a:defRPr sz="1200"/>
+            </a:lvl1pPr>
+          </a:lstStyle>
+          <a:p>
+            <a:fld id="{2CA8AEF4-4080-0C44-9DBD-2109C20C8B4E}" type="slidenum">
+              <a:rPr lang="en-US" smtClean="0"/>
+              <a:t>‹#›</a:t>
+            </a:fld>
+            <a:endParaRPr lang="en-US"/>
+          </a:p>
+        </p:txBody>
+      </p:sp>
+    </p:spTree>
+    <p:extLst>
+      <p:ext uri="{BB962C8B-B14F-4D97-AF65-F5344CB8AC3E}">
+        <p14:creationId xmlns:p14="http://schemas.microsoft.com/office/powerpoint/2010/main" val="840692391"/>
+      </p:ext>
+    </p:extLst>
+  </p:cSld>
+  <p:clrMap bg1="lt1" tx1="dk1" bg2="lt2" tx2="dk2" accent1="accent1" accent2="accent2" accent3="accent3" accent4="accent4" accent5="accent5" accent6="accent6" hlink="hlink" folHlink="folHlink"/>
+  <p:notesStyle>
+    <a:lvl1pPr marL="0" algn="l" defTabSz="914400" rtl="0" eaLnBrk="1" latinLnBrk="0" hangingPunct="1">
+      <a:defRPr sz="1200" kern="1200">
+        <a:solidFill>
+          <a:schemeClr val="tx1"/>
+        </a:solidFill>
+        <a:latin typeface="+mn-lt"/>
+        <a:ea typeface="+mn-ea"/>
+        <a:cs typeface="+mn-cs"/>
+      </a:defRPr>
+    </a:lvl1pPr>
+    <a:lvl2pPr marL="457200" algn="l" defTabSz="914400" rtl="0" eaLnBrk="1" latinLnBrk="0" hangingPunct="1">
+      <a:defRPr sz="1200" kern="1200">
+        <a:solidFill>
+          <a:schemeClr val="tx1"/>
+        </a:solidFill>
+        <a:latin typeface="+mn-lt"/>
+        <a:ea typeface="+mn-ea"/>
+        <a:cs typeface="+mn-cs"/>
+      </a:defRPr>
+    </a:lvl2pPr>
+    <a:lvl3pPr marL="914400" algn="l" defTabSz="914400" rtl="0" eaLnBrk="1" latinLnBrk="0" hangingPunct="1">
+      <a:defRPr sz="1200" kern="1200">
+        <a:solidFill>
+          <a:schemeClr val="tx1"/>
+        </a:solidFill>
+        <a:latin typeface="+mn-lt"/>
+        <a:ea typeface="+mn-ea"/>
+        <a:cs typeface="+mn-cs"/>
+      </a:defRPr>
+    </a:lvl3pPr>
+    <a:lvl4pPr marL="1371600" algn="l" defTabSz="914400" rtl="0" eaLnBrk="1" latinLnBrk="0" hangingPunct="1">
+      <a:defRPr sz="1200" kern="1200">
+        <a:solidFill>
+          <a:schemeClr val="tx1"/>
+        </a:solidFill>
+        <a:latin typeface="+mn-lt"/>
+        <a:ea typeface="+mn-ea"/>
+        <a:cs typeface="+mn-cs"/>
+      </a:defRPr>
+    </a:lvl4pPr>
+    <a:lvl5pPr marL="1828800" algn="l" defTabSz="914400" rtl="0" eaLnBrk="1" latinLnBrk="0" hangingPunct="1">
+      <a:defRPr sz="1200" kern="1200">
+        <a:solidFill>
+          <a:schemeClr val="tx1"/>
+        </a:solidFill>
+        <a:latin typeface="+mn-lt"/>
+        <a:ea typeface="+mn-ea"/>
+        <a:cs typeface="+mn-cs"/>
+      </a:defRPr>
+    </a:lvl5pPr>
+    <a:lvl6pPr marL="2286000" algn="l" defTabSz="914400" rtl="0" eaLnBrk="1" latinLnBrk="0" hangingPunct="1">
+      <a:defRPr sz="1200" kern="1200">
+        <a:solidFill>
+          <a:schemeClr val="tx1"/>
+        </a:solidFill>
+        <a:latin typeface="+mn-lt"/>
+        <a:ea typeface="+mn-ea"/>
+        <a:cs typeface="+mn-cs"/>
+      </a:defRPr>
+    </a:lvl6pPr>
+    <a:lvl7pPr marL="2743200" algn="l" defTabSz="914400" rtl="0" eaLnBrk="1" latinLnBrk="0" hangingPunct="1">
+      <a:defRPr sz="1200" kern="1200">
+        <a:solidFill>
+          <a:schemeClr val="tx1"/>
+        </a:solidFill>
+        <a:latin typeface="+mn-lt"/>
+        <a:ea typeface="+mn-ea"/>
+        <a:cs typeface="+mn-cs"/>
+      </a:defRPr>
+    </a:lvl7pPr>
+    <a:lvl8pPr marL="3200400" algn="l" defTabSz="914400" rtl="0" eaLnBrk="1" latinLnBrk="0" hangingPunct="1">
+      <a:defRPr sz="1200" kern="1200">
+        <a:solidFill>
+          <a:schemeClr val="tx1"/>
+        </a:solidFill>
+        <a:latin typeface="+mn-lt"/>
+        <a:ea typeface="+mn-ea"/>
+        <a:cs typeface="+mn-cs"/>
+      </a:defRPr>
+    </a:lvl8pPr>
+    <a:lvl9pPr marL="3657600" algn="l" defTabSz="914400" rtl="0" eaLnBrk="1" latinLnBrk="0" hangingPunct="1">
+      <a:defRPr sz="1200" kern="1200">
+        <a:solidFill>
+          <a:schemeClr val="tx1"/>
+        </a:solidFill>
+        <a:latin typeface="+mn-lt"/>
+        <a:ea typeface="+mn-ea"/>
+        <a:cs typeface="+mn-cs"/>
+      </a:defRPr>
+    </a:lvl9pPr>
+  </p:notesStyle>
+</p:notesMaster>
+</file>
+
+<file path=ppt/notesSlides/notesSlide1.xml><?xml version="1.0" encoding="utf-8"?>
+<p:notes xmlns:a="http://schemas.openxmlformats.org/drawingml/2006/main" xmlns:r="http://schemas.openxmlformats.org/officeDocument/2006/relationships" xmlns:p="http://schemas.openxmlformats.org/presentationml/2006/main">
+  <p:cSld>
+    <p:spTree>
+      <p:nvGrpSpPr>
+        <p:cNvPr id="1" name=""/>
+        <p:cNvGrpSpPr/>
+        <p:nvPr/>
+      </p:nvGrpSpPr>
+      <p:grpSpPr>
+        <a:xfrm>
+          <a:off x="0" y="0"/>
+          <a:ext cx="0" cy="0"/>
+          <a:chOff x="0" y="0"/>
+          <a:chExt cx="0" cy="0"/>
+        </a:xfrm>
+      </p:grpSpPr>
+      <p:sp>
+        <p:nvSpPr>
+          <p:cNvPr id="2" name="Slide Image Placeholder 1"/>
+          <p:cNvSpPr>
+            <a:spLocks noGrp="1" noRot="1" noChangeAspect="1"/>
+          </p:cNvSpPr>
+          <p:nvPr>
+            <p:ph type="sldImg"/>
+          </p:nvPr>
+        </p:nvSpPr>
+        <p:spPr/>
+      </p:sp>
+      <p:sp>
+        <p:nvSpPr>
+          <p:cNvPr id="3" name="Notes Placeholder 2"/>
+          <p:cNvSpPr>
+            <a:spLocks noGrp="1"/>
+          </p:cNvSpPr>
+          <p:nvPr>
+            <p:ph type="body" idx="1"/>
+          </p:nvPr>
+        </p:nvSpPr>
+        <p:spPr/>
+        <p:txBody>
+          <a:bodyPr/>
+          <a:lstStyle/>
+          <a:p>
+            <a:endParaRPr lang="en-US" dirty="0"/>
+          </a:p>
+        </p:txBody>
+      </p:sp>
+      <p:sp>
+        <p:nvSpPr>
+          <p:cNvPr id="4" name="Slide Number Placeholder 3"/>
+          <p:cNvSpPr>
+            <a:spLocks noGrp="1"/>
+          </p:cNvSpPr>
+          <p:nvPr>
+            <p:ph type="sldNum" sz="quarter" idx="5"/>
+          </p:nvPr>
+        </p:nvSpPr>
+        <p:spPr/>
+        <p:txBody>
+          <a:bodyPr/>
+          <a:lstStyle/>
+          <a:p>
+            <a:fld id="{2CA8AEF4-4080-0C44-9DBD-2109C20C8B4E}" type="slidenum">
+              <a:rPr lang="en-US" smtClean="0"/>
+              <a:t>1</a:t>
+            </a:fld>
+            <a:endParaRPr lang="en-US"/>
+          </a:p>
+        </p:txBody>
+      </p:sp>
+    </p:spTree>
+    <p:extLst>
+      <p:ext uri="{BB962C8B-B14F-4D97-AF65-F5344CB8AC3E}">
+        <p14:creationId xmlns:p14="http://schemas.microsoft.com/office/powerpoint/2010/main" val="1954425533"/>
+      </p:ext>
+    </p:extLst>
+  </p:cSld>
+  <p:clrMapOvr>
+    <a:masterClrMapping/>
+  </p:clrMapOvr>
+</p:notes>
+</file>
+
+<file path=ppt/notesSlides/notesSlide2.xml><?xml version="1.0" encoding="utf-8"?>
+<p:notes xmlns:a="http://schemas.openxmlformats.org/drawingml/2006/main" xmlns:r="http://schemas.openxmlformats.org/officeDocument/2006/relationships" xmlns:p="http://schemas.openxmlformats.org/presentationml/2006/main">
+  <p:cSld>
+    <p:spTree>
+      <p:nvGrpSpPr>
+        <p:cNvPr id="1" name=""/>
+        <p:cNvGrpSpPr/>
+        <p:nvPr/>
+      </p:nvGrpSpPr>
+      <p:grpSpPr>
+        <a:xfrm>
+          <a:off x="0" y="0"/>
+          <a:ext cx="0" cy="0"/>
+          <a:chOff x="0" y="0"/>
+          <a:chExt cx="0" cy="0"/>
+        </a:xfrm>
+      </p:grpSpPr>
+      <p:sp>
+        <p:nvSpPr>
+          <p:cNvPr id="2" name="Slide Image Placeholder 1"/>
+          <p:cNvSpPr>
+            <a:spLocks noGrp="1" noRot="1" noChangeAspect="1"/>
+          </p:cNvSpPr>
+          <p:nvPr>
+            <p:ph type="sldImg"/>
+          </p:nvPr>
+        </p:nvSpPr>
+        <p:spPr/>
+      </p:sp>
+      <p:sp>
+        <p:nvSpPr>
+          <p:cNvPr id="3" name="Notes Placeholder 2"/>
+          <p:cNvSpPr>
+            <a:spLocks noGrp="1"/>
+          </p:cNvSpPr>
+          <p:nvPr>
+            <p:ph type="body" idx="1"/>
+          </p:nvPr>
+        </p:nvSpPr>
+        <p:spPr/>
+        <p:txBody>
+          <a:bodyPr/>
+          <a:lstStyle/>
+          <a:p>
+            <a:endParaRPr lang="en-US" dirty="0"/>
+          </a:p>
+        </p:txBody>
+      </p:sp>
+      <p:sp>
+        <p:nvSpPr>
+          <p:cNvPr id="4" name="Slide Number Placeholder 3"/>
+          <p:cNvSpPr>
+            <a:spLocks noGrp="1"/>
+          </p:cNvSpPr>
+          <p:nvPr>
+            <p:ph type="sldNum" sz="quarter" idx="5"/>
+          </p:nvPr>
+        </p:nvSpPr>
+        <p:spPr/>
+        <p:txBody>
+          <a:bodyPr/>
+          <a:lstStyle/>
+          <a:p>
+            <a:fld id="{2CA8AEF4-4080-0C44-9DBD-2109C20C8B4E}" type="slidenum">
+              <a:rPr lang="en-US" smtClean="0"/>
+              <a:t>2</a:t>
+            </a:fld>
+            <a:endParaRPr lang="en-US"/>
+          </a:p>
+        </p:txBody>
+      </p:sp>
+    </p:spTree>
+    <p:extLst>
+      <p:ext uri="{BB962C8B-B14F-4D97-AF65-F5344CB8AC3E}">
+        <p14:creationId xmlns:p14="http://schemas.microsoft.com/office/powerpoint/2010/main" val="1867526046"/>
+      </p:ext>
+    </p:extLst>
+  </p:cSld>
+  <p:clrMapOvr>
+    <a:masterClrMapping/>
+  </p:clrMapOvr>
+</p:notes>
+</file>
+
+<file path=ppt/notesSlides/notesSlide3.xml><?xml version="1.0" encoding="utf-8"?>
+<p:notes xmlns:a="http://schemas.openxmlformats.org/drawingml/2006/main" xmlns:r="http://schemas.openxmlformats.org/officeDocument/2006/relationships" xmlns:p="http://schemas.openxmlformats.org/presentationml/2006/main">
+  <p:cSld>
+    <p:spTree>
+      <p:nvGrpSpPr>
+        <p:cNvPr id="1" name=""/>
+        <p:cNvGrpSpPr/>
+        <p:nvPr/>
+      </p:nvGrpSpPr>
+      <p:grpSpPr>
+        <a:xfrm>
+          <a:off x="0" y="0"/>
+          <a:ext cx="0" cy="0"/>
+          <a:chOff x="0" y="0"/>
+          <a:chExt cx="0" cy="0"/>
+        </a:xfrm>
+      </p:grpSpPr>
+      <p:sp>
+        <p:nvSpPr>
+          <p:cNvPr id="2" name="Slide Image Placeholder 1"/>
+          <p:cNvSpPr>
+            <a:spLocks noGrp="1" noRot="1" noChangeAspect="1"/>
+          </p:cNvSpPr>
+          <p:nvPr>
+            <p:ph type="sldImg"/>
+          </p:nvPr>
+        </p:nvSpPr>
+        <p:spPr/>
+      </p:sp>
+      <p:sp>
+        <p:nvSpPr>
+          <p:cNvPr id="3" name="Notes Placeholder 2"/>
+          <p:cNvSpPr>
+            <a:spLocks noGrp="1"/>
+          </p:cNvSpPr>
+          <p:nvPr>
+            <p:ph type="body" idx="1"/>
+          </p:nvPr>
+        </p:nvSpPr>
+        <p:spPr/>
+        <p:txBody>
+          <a:bodyPr/>
+          <a:lstStyle/>
+          <a:p>
+            <a:endParaRPr lang="en-US" dirty="0"/>
+          </a:p>
+        </p:txBody>
+      </p:sp>
+      <p:sp>
+        <p:nvSpPr>
+          <p:cNvPr id="4" name="Slide Number Placeholder 3"/>
+          <p:cNvSpPr>
+            <a:spLocks noGrp="1"/>
+          </p:cNvSpPr>
+          <p:nvPr>
+            <p:ph type="sldNum" sz="quarter" idx="5"/>
+          </p:nvPr>
+        </p:nvSpPr>
+        <p:spPr/>
+        <p:txBody>
+          <a:bodyPr/>
+          <a:lstStyle/>
+          <a:p>
+            <a:fld id="{2CA8AEF4-4080-0C44-9DBD-2109C20C8B4E}" type="slidenum">
+              <a:rPr lang="en-US" smtClean="0"/>
+              <a:t>3</a:t>
+            </a:fld>
+            <a:endParaRPr lang="en-US"/>
+          </a:p>
+        </p:txBody>
+      </p:sp>
+    </p:spTree>
+    <p:extLst>
+      <p:ext uri="{BB962C8B-B14F-4D97-AF65-F5344CB8AC3E}">
+        <p14:creationId xmlns:p14="http://schemas.microsoft.com/office/powerpoint/2010/main" val="423629456"/>
+      </p:ext>
+    </p:extLst>
+  </p:cSld>
+  <p:clrMapOvr>
+    <a:masterClrMapping/>
+  </p:clrMapOvr>
+</p:notes>
+</file>
+
+<file path=ppt/notesSlides/notesSlide4.xml><?xml version="1.0" encoding="utf-8"?>
+<p:notes xmlns:a="http://schemas.openxmlformats.org/drawingml/2006/main" xmlns:r="http://schemas.openxmlformats.org/officeDocument/2006/relationships" xmlns:p="http://schemas.openxmlformats.org/presentationml/2006/main">
+  <p:cSld>
+    <p:spTree>
+      <p:nvGrpSpPr>
+        <p:cNvPr id="1" name=""/>
+        <p:cNvGrpSpPr/>
+        <p:nvPr/>
+      </p:nvGrpSpPr>
+      <p:grpSpPr>
+        <a:xfrm>
+          <a:off x="0" y="0"/>
+          <a:ext cx="0" cy="0"/>
+          <a:chOff x="0" y="0"/>
+          <a:chExt cx="0" cy="0"/>
+        </a:xfrm>
+      </p:grpSpPr>
+      <p:sp>
+        <p:nvSpPr>
+          <p:cNvPr id="2" name="Slide Image Placeholder 1"/>
+          <p:cNvSpPr>
+            <a:spLocks noGrp="1" noRot="1" noChangeAspect="1"/>
+          </p:cNvSpPr>
+          <p:nvPr>
+            <p:ph type="sldImg"/>
+          </p:nvPr>
+        </p:nvSpPr>
+        <p:spPr/>
+      </p:sp>
+      <p:sp>
+        <p:nvSpPr>
+          <p:cNvPr id="3" name="Notes Placeholder 2"/>
+          <p:cNvSpPr>
+            <a:spLocks noGrp="1"/>
+          </p:cNvSpPr>
+          <p:nvPr>
+            <p:ph type="body" idx="1"/>
+          </p:nvPr>
+        </p:nvSpPr>
+        <p:spPr/>
+        <p:txBody>
+          <a:bodyPr/>
+          <a:lstStyle/>
+          <a:p>
+            <a:endParaRPr lang="en-US" dirty="0"/>
+          </a:p>
+        </p:txBody>
+      </p:sp>
+      <p:sp>
+        <p:nvSpPr>
+          <p:cNvPr id="4" name="Slide Number Placeholder 3"/>
+          <p:cNvSpPr>
+            <a:spLocks noGrp="1"/>
+          </p:cNvSpPr>
+          <p:nvPr>
+            <p:ph type="sldNum" sz="quarter" idx="5"/>
+          </p:nvPr>
+        </p:nvSpPr>
+        <p:spPr/>
+        <p:txBody>
+          <a:bodyPr/>
+          <a:lstStyle/>
+          <a:p>
+            <a:fld id="{2CA8AEF4-4080-0C44-9DBD-2109C20C8B4E}" type="slidenum">
+              <a:rPr lang="en-US" smtClean="0"/>
+              <a:t>4</a:t>
+            </a:fld>
+            <a:endParaRPr lang="en-US"/>
+          </a:p>
+        </p:txBody>
+      </p:sp>
+    </p:spTree>
+    <p:extLst>
+      <p:ext uri="{BB962C8B-B14F-4D97-AF65-F5344CB8AC3E}">
+        <p14:creationId xmlns:p14="http://schemas.microsoft.com/office/powerpoint/2010/main" val="2131843337"/>
+      </p:ext>
+    </p:extLst>
+  </p:cSld>
+  <p:clrMapOvr>
+    <a:masterClrMapping/>
+  </p:clrMapOvr>
+</p:notes>
+</file>
+
+<file path=ppt/notesSlides/notesSlide5.xml><?xml version="1.0" encoding="utf-8"?>
+<p:notes xmlns:a="http://schemas.openxmlformats.org/drawingml/2006/main" xmlns:r="http://schemas.openxmlformats.org/officeDocument/2006/relationships" xmlns:p="http://schemas.openxmlformats.org/presentationml/2006/main">
+  <p:cSld>
+    <p:spTree>
+      <p:nvGrpSpPr>
+        <p:cNvPr id="1" name=""/>
+        <p:cNvGrpSpPr/>
+        <p:nvPr/>
+      </p:nvGrpSpPr>
+      <p:grpSpPr>
+        <a:xfrm>
+          <a:off x="0" y="0"/>
+          <a:ext cx="0" cy="0"/>
+          <a:chOff x="0" y="0"/>
+          <a:chExt cx="0" cy="0"/>
+        </a:xfrm>
+      </p:grpSpPr>
+      <p:sp>
+        <p:nvSpPr>
+          <p:cNvPr id="2" name="Slide Image Placeholder 1"/>
+          <p:cNvSpPr>
+            <a:spLocks noGrp="1" noRot="1" noChangeAspect="1"/>
+          </p:cNvSpPr>
+          <p:nvPr>
+            <p:ph type="sldImg"/>
+          </p:nvPr>
+        </p:nvSpPr>
+        <p:spPr/>
+      </p:sp>
+      <p:sp>
+        <p:nvSpPr>
+          <p:cNvPr id="3" name="Notes Placeholder 2"/>
+          <p:cNvSpPr>
+            <a:spLocks noGrp="1"/>
+          </p:cNvSpPr>
+          <p:nvPr>
+            <p:ph type="body" idx="1"/>
+          </p:nvPr>
+        </p:nvSpPr>
+        <p:spPr/>
+        <p:txBody>
+          <a:bodyPr/>
+          <a:lstStyle/>
+          <a:p>
+            <a:endParaRPr lang="en-US" dirty="0"/>
+          </a:p>
+        </p:txBody>
+      </p:sp>
+      <p:sp>
+        <p:nvSpPr>
+          <p:cNvPr id="4" name="Slide Number Placeholder 3"/>
+          <p:cNvSpPr>
+            <a:spLocks noGrp="1"/>
+          </p:cNvSpPr>
+          <p:nvPr>
+            <p:ph type="sldNum" sz="quarter" idx="5"/>
+          </p:nvPr>
+        </p:nvSpPr>
+        <p:spPr/>
+        <p:txBody>
+          <a:bodyPr/>
+          <a:lstStyle/>
+          <a:p>
+            <a:fld id="{2CA8AEF4-4080-0C44-9DBD-2109C20C8B4E}" type="slidenum">
+              <a:rPr lang="en-US" smtClean="0"/>
+              <a:t>5</a:t>
+            </a:fld>
+            <a:endParaRPr lang="en-US"/>
+          </a:p>
+        </p:txBody>
+      </p:sp>
+    </p:spTree>
+    <p:extLst>
+      <p:ext uri="{BB962C8B-B14F-4D97-AF65-F5344CB8AC3E}">
+        <p14:creationId xmlns:p14="http://schemas.microsoft.com/office/powerpoint/2010/main" val="809365503"/>
+      </p:ext>
+    </p:extLst>
+  </p:cSld>
+  <p:clrMapOvr>
+    <a:masterClrMapping/>
+  </p:clrMapOvr>
+</p:notes>
+</file>
+
+<file path=ppt/notesSlides/notesSlide6.xml><?xml version="1.0" encoding="utf-8"?>
+<p:notes xmlns:a="http://schemas.openxmlformats.org/drawingml/2006/main" xmlns:r="http://schemas.openxmlformats.org/officeDocument/2006/relationships" xmlns:p="http://schemas.openxmlformats.org/presentationml/2006/main">
+  <p:cSld>
+    <p:spTree>
+      <p:nvGrpSpPr>
+        <p:cNvPr id="1" name=""/>
+        <p:cNvGrpSpPr/>
+        <p:nvPr/>
+      </p:nvGrpSpPr>
+      <p:grpSpPr>
+        <a:xfrm>
+          <a:off x="0" y="0"/>
+          <a:ext cx="0" cy="0"/>
+          <a:chOff x="0" y="0"/>
+          <a:chExt cx="0" cy="0"/>
+        </a:xfrm>
+      </p:grpSpPr>
+      <p:sp>
+        <p:nvSpPr>
+          <p:cNvPr id="2" name="Slide Image Placeholder 1"/>
+          <p:cNvSpPr>
+            <a:spLocks noGrp="1" noRot="1" noChangeAspect="1"/>
+          </p:cNvSpPr>
+          <p:nvPr>
+            <p:ph type="sldImg"/>
+          </p:nvPr>
+        </p:nvSpPr>
+        <p:spPr/>
+      </p:sp>
+      <p:sp>
+        <p:nvSpPr>
+          <p:cNvPr id="3" name="Notes Placeholder 2"/>
+          <p:cNvSpPr>
+            <a:spLocks noGrp="1"/>
+          </p:cNvSpPr>
+          <p:nvPr>
+            <p:ph type="body" idx="1"/>
+          </p:nvPr>
+        </p:nvSpPr>
+        <p:spPr/>
+        <p:txBody>
+          <a:bodyPr/>
+          <a:lstStyle/>
+          <a:p>
+            <a:endParaRPr lang="en-US" dirty="0"/>
+          </a:p>
+        </p:txBody>
+      </p:sp>
+      <p:sp>
+        <p:nvSpPr>
+          <p:cNvPr id="4" name="Slide Number Placeholder 3"/>
+          <p:cNvSpPr>
+            <a:spLocks noGrp="1"/>
+          </p:cNvSpPr>
+          <p:nvPr>
+            <p:ph type="sldNum" sz="quarter" idx="5"/>
+          </p:nvPr>
+        </p:nvSpPr>
+        <p:spPr/>
+        <p:txBody>
+          <a:bodyPr/>
+          <a:lstStyle/>
+          <a:p>
+            <a:fld id="{2CA8AEF4-4080-0C44-9DBD-2109C20C8B4E}" type="slidenum">
+              <a:rPr lang="en-US" smtClean="0"/>
+              <a:t>15</a:t>
+            </a:fld>
+            <a:endParaRPr lang="en-US"/>
+          </a:p>
+        </p:txBody>
+      </p:sp>
+    </p:spTree>
+    <p:extLst>
+      <p:ext uri="{BB962C8B-B14F-4D97-AF65-F5344CB8AC3E}">
+        <p14:creationId xmlns:p14="http://schemas.microsoft.com/office/powerpoint/2010/main" val="2338112592"/>
+      </p:ext>
+    </p:extLst>
+  </p:cSld>
+  <p:clrMapOvr>
+    <a:masterClrMapping/>
+  </p:clrMapOvr>
+</p:notes>
 </file>
 
 <file path=ppt/slideLayouts/slideLayout1.xml><?xml version="1.0" encoding="utf-8"?>
@@ -337,7 +1199,7 @@
           <a:p>
             <a:fld id="{9AB3A824-1A51-4B26-AD58-A6D8E14F6C04}" type="datetimeFigureOut">
               <a:rPr lang="en-US" dirty="0"/>
-              <a:t>3/18/25</a:t>
+              <a:t>3/22/25</a:t>
             </a:fld>
             <a:endParaRPr lang="en-US" dirty="0"/>
           </a:p>
@@ -671,7 +1533,7 @@
           <a:p>
             <a:fld id="{D857E33E-8B18-4087-B112-809917729534}" type="datetimeFigureOut">
               <a:rPr lang="en-US" dirty="0"/>
-              <a:t>3/18/25</a:t>
+              <a:t>3/22/25</a:t>
             </a:fld>
             <a:endParaRPr lang="en-US" dirty="0"/>
           </a:p>
@@ -973,7 +1835,7 @@
           <a:p>
             <a:fld id="{D3FFE419-2371-464F-8239-3959401C3561}" type="datetimeFigureOut">
               <a:rPr lang="en-US" dirty="0"/>
-              <a:t>3/18/25</a:t>
+              <a:t>3/22/25</a:t>
             </a:fld>
             <a:endParaRPr lang="en-US" dirty="0"/>
           </a:p>
@@ -1220,7 +2082,7 @@
           <a:p>
             <a:fld id="{97D162C4-EDD9-4389-A98B-B87ECEA2A816}" type="datetimeFigureOut">
               <a:rPr lang="en-US" dirty="0"/>
-              <a:t>3/18/25</a:t>
+              <a:t>3/22/25</a:t>
             </a:fld>
             <a:endParaRPr lang="en-US" dirty="0"/>
           </a:p>
@@ -1627,7 +2489,7 @@
           <a:p>
             <a:fld id="{3E5059C3-6A89-4494-99FF-5A4D6FFD50EB}" type="datetimeFigureOut">
               <a:rPr lang="en-US" dirty="0"/>
-              <a:t>3/18/25</a:t>
+              <a:t>3/22/25</a:t>
             </a:fld>
             <a:endParaRPr lang="en-US" dirty="0"/>
           </a:p>
@@ -1941,7 +2803,7 @@
           <a:p>
             <a:fld id="{CA954B2F-12DE-47F5-8894-472B206D2E1E}" type="datetimeFigureOut">
               <a:rPr lang="en-US" dirty="0"/>
-              <a:t>3/18/25</a:t>
+              <a:t>3/22/25</a:t>
             </a:fld>
             <a:endParaRPr lang="en-US" dirty="0"/>
           </a:p>
@@ -2485,7 +3347,7 @@
           <a:p>
             <a:fld id="{3F30E46F-7819-4ACF-B48B-48222C2ACC88}" type="datetimeFigureOut">
               <a:rPr lang="en-US" dirty="0"/>
-              <a:t>3/18/25</a:t>
+              <a:t>3/22/25</a:t>
             </a:fld>
             <a:endParaRPr lang="en-US" dirty="0"/>
           </a:p>
@@ -2680,7 +3542,7 @@
           <a:p>
             <a:fld id="{1FAF3416-4057-4DAA-829D-4CA07428D088}" type="datetimeFigureOut">
               <a:rPr lang="en-US" dirty="0"/>
-              <a:t>3/18/25</a:t>
+              <a:t>3/22/25</a:t>
             </a:fld>
             <a:endParaRPr lang="en-US" dirty="0"/>
           </a:p>
@@ -2893,7 +3755,7 @@
           <a:p>
             <a:fld id="{921D9284-D300-4297-87F7-E791DCC15DB1}" type="datetimeFigureOut">
               <a:rPr lang="en-US" dirty="0"/>
-              <a:t>3/18/25</a:t>
+              <a:t>3/22/25</a:t>
             </a:fld>
             <a:endParaRPr lang="en-US" dirty="0"/>
           </a:p>
@@ -3262,7 +4124,7 @@
           <a:p>
             <a:fld id="{37D525BB-DA17-4BA0-B3C8-3AC3ABC827E6}" type="datetimeFigureOut">
               <a:rPr lang="en-US" dirty="0"/>
-              <a:t>3/18/25</a:t>
+              <a:t>3/22/25</a:t>
             </a:fld>
             <a:endParaRPr lang="en-US" dirty="0"/>
           </a:p>
@@ -3665,7 +4527,7 @@
           <a:p>
             <a:fld id="{B16C4C9A-3960-41CF-A4E9-2A8FB932454B}" type="datetimeFigureOut">
               <a:rPr lang="en-US" dirty="0"/>
-              <a:t>3/18/25</a:t>
+              <a:t>3/22/25</a:t>
             </a:fld>
             <a:endParaRPr lang="en-US" dirty="0"/>
           </a:p>
@@ -3976,7 +4838,7 @@
           <a:p>
             <a:fld id="{3CBC1C18-307B-4F68-A007-B5B542270E8D}" type="datetimeFigureOut">
               <a:rPr lang="en-US" dirty="0"/>
-              <a:t>3/18/25</a:t>
+              <a:t>3/22/25</a:t>
             </a:fld>
             <a:endParaRPr lang="en-US" dirty="0"/>
           </a:p>
@@ -4511,7 +5373,7 @@
         </p:nvSpPr>
         <p:spPr>
           <a:xfrm>
-            <a:off x="1033670" y="3428998"/>
+            <a:off x="1033670" y="2294720"/>
             <a:ext cx="7832034" cy="2268559"/>
           </a:xfrm>
         </p:spPr>
@@ -4552,7 +5414,12 @@
             <p:ph type="subTitle" idx="1"/>
           </p:nvPr>
         </p:nvSpPr>
-        <p:spPr/>
+        <p:spPr>
+          <a:xfrm>
+            <a:off x="-407913" y="-580107"/>
+            <a:ext cx="5357600" cy="1160213"/>
+          </a:xfrm>
+        </p:spPr>
         <p:txBody>
           <a:bodyPr/>
           <a:lstStyle/>
@@ -4638,14 +5505,45 @@
             <p:ph idx="1"/>
           </p:nvPr>
         </p:nvSpPr>
-        <p:spPr/>
-        <p:txBody>
-          <a:bodyPr/>
-          <a:lstStyle/>
-          <a:p>
-            <a:r>
-              <a:rPr lang="en-US" dirty="0"/>
-              <a:t>Description here</a:t>
+        <p:spPr>
+          <a:xfrm>
+            <a:off x="2379152" y="1430086"/>
+            <a:ext cx="7796540" cy="3997828"/>
+          </a:xfrm>
+        </p:spPr>
+        <p:txBody>
+          <a:bodyPr/>
+          <a:lstStyle/>
+          <a:p>
+            <a:r>
+              <a:rPr lang="en-US" dirty="0"/>
+              <a:t>Another type of SSO</a:t>
+            </a:r>
+          </a:p>
+          <a:p>
+            <a:r>
+              <a:rPr lang="en-US" dirty="0"/>
+              <a:t>Created for federated authentication </a:t>
+            </a:r>
+          </a:p>
+          <a:p>
+            <a:r>
+              <a:rPr lang="en-US" dirty="0"/>
+              <a:t>Allows 3</a:t>
+            </a:r>
+            <a:r>
+              <a:rPr lang="en-US" baseline="30000" dirty="0"/>
+              <a:t>rd</a:t>
+            </a:r>
+            <a:r>
+              <a:rPr lang="en-US" dirty="0"/>
+              <a:t> party to authenticate users through a preexisting account</a:t>
+            </a:r>
+          </a:p>
+          <a:p>
+            <a:r>
+              <a:rPr lang="en-US" dirty="0"/>
+              <a:t>Limits the accounts/profiles a user has/needs</a:t>
             </a:r>
           </a:p>
         </p:txBody>
@@ -4724,12 +5622,26 @@
             <p:ph idx="1"/>
           </p:nvPr>
         </p:nvSpPr>
-        <p:spPr/>
-        <p:txBody>
-          <a:bodyPr/>
-          <a:lstStyle/>
-          <a:p>
-            <a:endParaRPr lang="en-US"/>
+        <p:spPr>
+          <a:xfrm>
+            <a:off x="2197730" y="974888"/>
+            <a:ext cx="7796540" cy="3997828"/>
+          </a:xfrm>
+        </p:spPr>
+        <p:txBody>
+          <a:bodyPr/>
+          <a:lstStyle/>
+          <a:p>
+            <a:r>
+              <a:rPr lang="en-US" dirty="0"/>
+              <a:t>Connects with relying parties using SSO </a:t>
+            </a:r>
+          </a:p>
+          <a:p>
+            <a:r>
+              <a:rPr lang="en-US" dirty="0"/>
+              <a:t>Logs you in with an identity provider</a:t>
+            </a:r>
           </a:p>
         </p:txBody>
       </p:sp>
@@ -4807,12 +5719,50 @@
             <p:ph idx="1"/>
           </p:nvPr>
         </p:nvSpPr>
-        <p:spPr/>
-        <p:txBody>
-          <a:bodyPr/>
-          <a:lstStyle/>
-          <a:p>
-            <a:endParaRPr lang="en-US"/>
+        <p:spPr>
+          <a:xfrm>
+            <a:off x="2197730" y="1430086"/>
+            <a:ext cx="7796540" cy="3997828"/>
+          </a:xfrm>
+        </p:spPr>
+        <p:txBody>
+          <a:bodyPr/>
+          <a:lstStyle/>
+          <a:p>
+            <a:r>
+              <a:rPr lang="en-US" dirty="0"/>
+              <a:t>Can be used without prearranged IdP-RP trust relationship</a:t>
+            </a:r>
+          </a:p>
+          <a:p>
+            <a:r>
+              <a:rPr lang="en-US" dirty="0"/>
+              <a:t>Defines universal identifier </a:t>
+            </a:r>
+          </a:p>
+          <a:p>
+            <a:r>
+              <a:rPr lang="en-US" dirty="0"/>
+              <a:t>Achieves SSO attribute transfer with trust relationship</a:t>
+            </a:r>
+          </a:p>
+          <a:p>
+            <a:r>
+              <a:rPr lang="en-US" dirty="0"/>
+              <a:t>Access to broad user populations</a:t>
+            </a:r>
+          </a:p>
+          <a:p>
+            <a:r>
+              <a:rPr lang="en-US" dirty="0"/>
+              <a:t>Leverages UX &amp; account-linking best practices </a:t>
+            </a:r>
+          </a:p>
+          <a:p>
+            <a:r>
+              <a:rPr lang="en-US" dirty="0"/>
+              <a:t>Convenient &amp; portable  </a:t>
+            </a:r>
           </a:p>
         </p:txBody>
       </p:sp>
@@ -4890,12 +5840,32 @@
             <p:ph idx="1"/>
           </p:nvPr>
         </p:nvSpPr>
-        <p:spPr/>
-        <p:txBody>
-          <a:bodyPr/>
-          <a:lstStyle/>
-          <a:p>
-            <a:endParaRPr lang="en-US"/>
+        <p:spPr>
+          <a:xfrm>
+            <a:off x="2197730" y="974888"/>
+            <a:ext cx="7796540" cy="3997828"/>
+          </a:xfrm>
+        </p:spPr>
+        <p:txBody>
+          <a:bodyPr/>
+          <a:lstStyle/>
+          <a:p>
+            <a:r>
+              <a:rPr lang="en-US" dirty="0"/>
+              <a:t>Limited to the “this is who I am” assertion </a:t>
+            </a:r>
+          </a:p>
+          <a:p>
+            <a:r>
+              <a:rPr lang="en-US" dirty="0"/>
+              <a:t>If website compromised, the rest attached can be too</a:t>
+            </a:r>
+          </a:p>
+          <a:p>
+            <a:r>
+              <a:rPr lang="en-US" dirty="0"/>
+              <a:t>Some privacy &amp; security concerns</a:t>
+            </a:r>
           </a:p>
         </p:txBody>
       </p:sp>
@@ -4976,6 +5946,256 @@
 </p:sld>
 </file>
 
+<file path=ppt/slides/slide15.xml><?xml version="1.0" encoding="utf-8"?>
+<p:sld xmlns:a="http://schemas.openxmlformats.org/drawingml/2006/main" xmlns:r="http://schemas.openxmlformats.org/officeDocument/2006/relationships" xmlns:p="http://schemas.openxmlformats.org/presentationml/2006/main">
+  <p:cSld>
+    <p:spTree>
+      <p:nvGrpSpPr>
+        <p:cNvPr id="1" name=""/>
+        <p:cNvGrpSpPr/>
+        <p:nvPr/>
+      </p:nvGrpSpPr>
+      <p:grpSpPr>
+        <a:xfrm>
+          <a:off x="0" y="0"/>
+          <a:ext cx="0" cy="0"/>
+          <a:chOff x="0" y="0"/>
+          <a:chExt cx="0" cy="0"/>
+        </a:xfrm>
+      </p:grpSpPr>
+      <p:sp>
+        <p:nvSpPr>
+          <p:cNvPr id="4" name="Title 3">
+            <a:extLst>
+              <a:ext uri="{FF2B5EF4-FFF2-40B4-BE49-F238E27FC236}">
+                <a16:creationId xmlns:a16="http://schemas.microsoft.com/office/drawing/2014/main" id="{36DFB54F-B5C6-1B36-BD05-A90BF2C5AE3D}"/>
+              </a:ext>
+            </a:extLst>
+          </p:cNvPr>
+          <p:cNvSpPr>
+            <a:spLocks noGrp="1"/>
+          </p:cNvSpPr>
+          <p:nvPr>
+            <p:ph type="title"/>
+          </p:nvPr>
+        </p:nvSpPr>
+        <p:spPr>
+          <a:xfrm>
+            <a:off x="1810696" y="1800041"/>
+            <a:ext cx="8570600" cy="3257917"/>
+          </a:xfrm>
+        </p:spPr>
+        <p:txBody>
+          <a:bodyPr>
+            <a:normAutofit/>
+          </a:bodyPr>
+          <a:lstStyle/>
+          <a:p>
+            <a:pPr algn="l"/>
+            <a:r>
+              <a:rPr lang="en-US" sz="1800" dirty="0">
+                <a:effectLst/>
+                <a:latin typeface="Times New Roman" panose="02020603050405020304" pitchFamily="18" charset="0"/>
+              </a:rPr>
+              <a:t>Conklin, WM. A., &amp; Shoemaker, D. P. (2022). </a:t>
+            </a:r>
+            <a:r>
+              <a:rPr lang="en-US" sz="1800" i="1" dirty="0">
+                <a:effectLst/>
+                <a:latin typeface="Times New Roman" panose="02020603050405020304" pitchFamily="18" charset="0"/>
+              </a:rPr>
+              <a:t>CSSLP Certified Secure Software Lifecycle Professional: Exam Guide.</a:t>
+            </a:r>
+            <a:r>
+              <a:rPr lang="en-US" sz="1800" dirty="0">
+                <a:effectLst/>
+                <a:latin typeface="Times New Roman" panose="02020603050405020304" pitchFamily="18" charset="0"/>
+              </a:rPr>
+              <a:t> McGraw-Hill Education.</a:t>
+            </a:r>
+            <a:br>
+              <a:rPr lang="en-US" sz="1800" dirty="0">
+                <a:effectLst/>
+                <a:latin typeface="Times New Roman" panose="02020603050405020304" pitchFamily="18" charset="0"/>
+              </a:rPr>
+            </a:br>
+            <a:br>
+              <a:rPr lang="en-US" sz="1800" dirty="0">
+                <a:effectLst/>
+                <a:latin typeface="Times New Roman" panose="02020603050405020304" pitchFamily="18" charset="0"/>
+              </a:rPr>
+            </a:br>
+            <a:r>
+              <a:rPr lang="en-US" sz="1800" dirty="0">
+                <a:effectLst/>
+                <a:latin typeface="Times New Roman" panose="02020603050405020304" pitchFamily="18" charset="0"/>
+              </a:rPr>
+              <a:t>OneLogin. (2019). </a:t>
+            </a:r>
+            <a:r>
+              <a:rPr lang="en-US" sz="1800" i="1" dirty="0">
+                <a:effectLst/>
+                <a:latin typeface="Times New Roman" panose="02020603050405020304" pitchFamily="18" charset="0"/>
+              </a:rPr>
+              <a:t>Single sign-on: What is it &amp; how does it work?</a:t>
+            </a:r>
+            <a:r>
+              <a:rPr lang="en-US" sz="1800" dirty="0">
+                <a:effectLst/>
+                <a:latin typeface="Times New Roman" panose="02020603050405020304" pitchFamily="18" charset="0"/>
+              </a:rPr>
+              <a:t> OneLogin. </a:t>
+            </a:r>
+            <a:r>
+              <a:rPr lang="en-US" sz="1800" dirty="0">
+                <a:effectLst/>
+                <a:latin typeface="Times New Roman" panose="02020603050405020304" pitchFamily="18" charset="0"/>
+                <a:hlinkClick r:id="rId3"/>
+              </a:rPr>
+              <a:t>https://www.onelogin.com/learn/how-single-sign-on-works</a:t>
+            </a:r>
+            <a:br>
+              <a:rPr lang="en-US" sz="1800" dirty="0">
+                <a:effectLst/>
+                <a:latin typeface="Times New Roman" panose="02020603050405020304" pitchFamily="18" charset="0"/>
+              </a:rPr>
+            </a:br>
+            <a:br>
+              <a:rPr lang="en-US" sz="1800" dirty="0">
+                <a:effectLst/>
+                <a:latin typeface="Times New Roman" panose="02020603050405020304" pitchFamily="18" charset="0"/>
+              </a:rPr>
+            </a:br>
+            <a:r>
+              <a:rPr lang="en-US" sz="1800" dirty="0">
+                <a:effectLst/>
+                <a:latin typeface="Times New Roman" panose="02020603050405020304" pitchFamily="18" charset="0"/>
+              </a:rPr>
+              <a:t>Shepard, A. (2023, October 10). </a:t>
+            </a:r>
+            <a:r>
+              <a:rPr lang="en-US" sz="1800" i="1" dirty="0">
+                <a:effectLst/>
+                <a:latin typeface="Times New Roman" panose="02020603050405020304" pitchFamily="18" charset="0"/>
+              </a:rPr>
+              <a:t>OpenID vs OAuth: Understanding API Security Protocols</a:t>
+            </a:r>
+            <a:r>
+              <a:rPr lang="en-US" sz="1800" dirty="0">
+                <a:effectLst/>
+                <a:latin typeface="Times New Roman" panose="02020603050405020304" pitchFamily="18" charset="0"/>
+              </a:rPr>
+              <a:t>. Kong Inc. https://</a:t>
+            </a:r>
+            <a:r>
+              <a:rPr lang="en-US" sz="1800" dirty="0" err="1">
+                <a:effectLst/>
+                <a:latin typeface="Times New Roman" panose="02020603050405020304" pitchFamily="18" charset="0"/>
+              </a:rPr>
+              <a:t>konghq.com</a:t>
+            </a:r>
+            <a:r>
+              <a:rPr lang="en-US" sz="1800" dirty="0">
+                <a:effectLst/>
+                <a:latin typeface="Times New Roman" panose="02020603050405020304" pitchFamily="18" charset="0"/>
+              </a:rPr>
+              <a:t>/blog/engineering/</a:t>
+            </a:r>
+            <a:r>
+              <a:rPr lang="en-US" sz="1800" dirty="0" err="1">
+                <a:effectLst/>
+                <a:latin typeface="Times New Roman" panose="02020603050405020304" pitchFamily="18" charset="0"/>
+              </a:rPr>
+              <a:t>openid</a:t>
+            </a:r>
+            <a:r>
+              <a:rPr lang="en-US" sz="1800" dirty="0">
+                <a:effectLst/>
+                <a:latin typeface="Times New Roman" panose="02020603050405020304" pitchFamily="18" charset="0"/>
+              </a:rPr>
+              <a:t>-vs-</a:t>
+            </a:r>
+            <a:r>
+              <a:rPr lang="en-US" sz="1800" dirty="0" err="1">
+                <a:effectLst/>
+                <a:latin typeface="Times New Roman" panose="02020603050405020304" pitchFamily="18" charset="0"/>
+              </a:rPr>
+              <a:t>oauth</a:t>
+            </a:r>
+            <a:r>
+              <a:rPr lang="en-US" sz="1800" dirty="0">
+                <a:effectLst/>
+                <a:latin typeface="Times New Roman" panose="02020603050405020304" pitchFamily="18" charset="0"/>
+              </a:rPr>
+              <a:t>-what-is-the-difference</a:t>
+            </a:r>
+            <a:br>
+              <a:rPr lang="en-US" sz="1800" dirty="0">
+                <a:effectLst/>
+                <a:latin typeface="Times New Roman" panose="02020603050405020304" pitchFamily="18" charset="0"/>
+              </a:rPr>
+            </a:br>
+            <a:br>
+              <a:rPr lang="en-US" sz="1800" dirty="0">
+                <a:effectLst/>
+                <a:latin typeface="Times New Roman" panose="02020603050405020304" pitchFamily="18" charset="0"/>
+              </a:rPr>
+            </a:br>
+            <a:endParaRPr lang="en-US" dirty="0"/>
+          </a:p>
+        </p:txBody>
+      </p:sp>
+      <p:sp>
+        <p:nvSpPr>
+          <p:cNvPr id="5" name="Text Placeholder 4">
+            <a:extLst>
+              <a:ext uri="{FF2B5EF4-FFF2-40B4-BE49-F238E27FC236}">
+                <a16:creationId xmlns:a16="http://schemas.microsoft.com/office/drawing/2014/main" id="{E9F430DE-8493-908A-A9DA-11EA64A56CB4}"/>
+              </a:ext>
+            </a:extLst>
+          </p:cNvPr>
+          <p:cNvSpPr>
+            <a:spLocks noGrp="1"/>
+          </p:cNvSpPr>
+          <p:nvPr>
+            <p:ph type="body" idx="1"/>
+          </p:nvPr>
+        </p:nvSpPr>
+        <p:spPr>
+          <a:xfrm>
+            <a:off x="2200031" y="499930"/>
+            <a:ext cx="7791931" cy="878468"/>
+          </a:xfrm>
+        </p:spPr>
+        <p:txBody>
+          <a:bodyPr/>
+          <a:lstStyle/>
+          <a:p>
+            <a:pPr algn="ctr"/>
+            <a:r>
+              <a:rPr lang="en-US" sz="2400" b="1" dirty="0"/>
+              <a:t>References</a:t>
+            </a:r>
+            <a:r>
+              <a:rPr lang="en-US" dirty="0"/>
+              <a:t> </a:t>
+            </a:r>
+          </a:p>
+        </p:txBody>
+      </p:sp>
+    </p:spTree>
+    <p:extLst>
+      <p:ext uri="{BB962C8B-B14F-4D97-AF65-F5344CB8AC3E}">
+        <p14:creationId xmlns:p14="http://schemas.microsoft.com/office/powerpoint/2010/main" val="4121671721"/>
+      </p:ext>
+    </p:extLst>
+  </p:cSld>
+  <p:clrMapOvr>
+    <a:masterClrMapping/>
+  </p:clrMapOvr>
+</p:sld>
+</file>
+
 <file path=ppt/slides/slide2.xml><?xml version="1.0" encoding="utf-8"?>
 <p:sld xmlns:a="http://schemas.openxmlformats.org/drawingml/2006/main" xmlns:r="http://schemas.openxmlformats.org/officeDocument/2006/relationships" xmlns:p="http://schemas.openxmlformats.org/presentationml/2006/main">
   <p:cSld>
@@ -5016,7 +6236,7 @@
           <a:p>
             <a:r>
               <a:rPr lang="en-US" dirty="0"/>
-              <a:t>SSO </a:t>
+              <a:t>SSO (Single Sign-On) </a:t>
             </a:r>
           </a:p>
         </p:txBody>
@@ -5037,14 +6257,25 @@
             <p:ph idx="1"/>
           </p:nvPr>
         </p:nvSpPr>
-        <p:spPr/>
-        <p:txBody>
-          <a:bodyPr/>
-          <a:lstStyle/>
-          <a:p>
-            <a:r>
-              <a:rPr lang="en-US" dirty="0"/>
-              <a:t>Description here</a:t>
+        <p:spPr>
+          <a:xfrm>
+            <a:off x="2197730" y="1107356"/>
+            <a:ext cx="7796540" cy="3997828"/>
+          </a:xfrm>
+        </p:spPr>
+        <p:txBody>
+          <a:bodyPr/>
+          <a:lstStyle/>
+          <a:p>
+            <a:r>
+              <a:rPr lang="en-US" dirty="0"/>
+              <a:t>SSO relies on a trust relationship between applications</a:t>
+            </a:r>
+          </a:p>
+          <a:p>
+            <a:r>
+              <a:rPr lang="en-US" dirty="0"/>
+              <a:t>Certificate that is exchanged between identity provider &amp; service provider </a:t>
             </a:r>
           </a:p>
         </p:txBody>
@@ -5123,10 +6354,33 @@
             <p:ph idx="1"/>
           </p:nvPr>
         </p:nvSpPr>
-        <p:spPr/>
-        <p:txBody>
-          <a:bodyPr/>
-          <a:lstStyle/>
+        <p:spPr>
+          <a:xfrm>
+            <a:off x="2197730" y="1634273"/>
+            <a:ext cx="7796540" cy="3997828"/>
+          </a:xfrm>
+        </p:spPr>
+        <p:txBody>
+          <a:bodyPr/>
+          <a:lstStyle/>
+          <a:p>
+            <a:r>
+              <a:rPr lang="en-US" dirty="0"/>
+              <a:t>After authentication, users can have their credentials reused on other applications without re-entering them </a:t>
+            </a:r>
+          </a:p>
+          <a:p>
+            <a:r>
+              <a:rPr lang="en-US" dirty="0"/>
+              <a:t>Credentials are stored outside of the application </a:t>
+            </a:r>
+          </a:p>
+          <a:p>
+            <a:r>
+              <a:rPr lang="en-US" dirty="0"/>
+              <a:t>Credentials can be reused for another system</a:t>
+            </a:r>
+          </a:p>
           <a:p>
             <a:endParaRPr lang="en-US" dirty="0"/>
           </a:p>
@@ -5206,12 +6460,35 @@
             <p:ph idx="1"/>
           </p:nvPr>
         </p:nvSpPr>
-        <p:spPr/>
-        <p:txBody>
-          <a:bodyPr/>
-          <a:lstStyle/>
-          <a:p>
-            <a:endParaRPr lang="en-US"/>
+        <p:spPr>
+          <a:xfrm>
+            <a:off x="2343293" y="1119071"/>
+            <a:ext cx="7796540" cy="4619858"/>
+          </a:xfrm>
+        </p:spPr>
+        <p:txBody>
+          <a:bodyPr/>
+          <a:lstStyle/>
+          <a:p>
+            <a:r>
+              <a:rPr lang="en-US" dirty="0"/>
+              <a:t>Convenient for users </a:t>
+            </a:r>
+          </a:p>
+          <a:p>
+            <a:r>
+              <a:rPr lang="en-US" dirty="0"/>
+              <a:t>Access affiliated sites without re-entry</a:t>
+            </a:r>
+          </a:p>
+          <a:p>
+            <a:r>
+              <a:rPr lang="en-US" dirty="0"/>
+              <a:t>Less password tracking</a:t>
+            </a:r>
+          </a:p>
+          <a:p>
+            <a:endParaRPr lang="en-US" dirty="0"/>
           </a:p>
         </p:txBody>
       </p:sp>
@@ -5289,12 +6566,26 @@
             <p:ph idx="1"/>
           </p:nvPr>
         </p:nvSpPr>
-        <p:spPr/>
-        <p:txBody>
-          <a:bodyPr/>
-          <a:lstStyle/>
-          <a:p>
-            <a:endParaRPr lang="en-US"/>
+        <p:spPr>
+          <a:xfrm>
+            <a:off x="2197730" y="974888"/>
+            <a:ext cx="7796540" cy="3997828"/>
+          </a:xfrm>
+        </p:spPr>
+        <p:txBody>
+          <a:bodyPr/>
+          <a:lstStyle/>
+          <a:p>
+            <a:r>
+              <a:rPr lang="en-US" dirty="0"/>
+              <a:t>Not guaranteed to be secure </a:t>
+            </a:r>
+          </a:p>
+          <a:p>
+            <a:r>
+              <a:rPr lang="en-US" dirty="0"/>
+              <a:t>May create single-point-of-failure scenarios</a:t>
+            </a:r>
           </a:p>
         </p:txBody>
       </p:sp>
@@ -5372,15 +6663,43 @@
             <p:ph idx="1"/>
           </p:nvPr>
         </p:nvSpPr>
-        <p:spPr/>
-        <p:txBody>
-          <a:bodyPr/>
-          <a:lstStyle/>
-          <a:p>
-            <a:r>
-              <a:rPr lang="en-US" dirty="0"/>
-              <a:t>Description here</a:t>
-            </a:r>
+        <p:spPr>
+          <a:xfrm>
+            <a:off x="2197730" y="1346670"/>
+            <a:ext cx="7796540" cy="3997828"/>
+          </a:xfrm>
+        </p:spPr>
+        <p:txBody>
+          <a:bodyPr/>
+          <a:lstStyle/>
+          <a:p>
+            <a:r>
+              <a:rPr lang="en-US" dirty="0"/>
+              <a:t>Another type of SSO </a:t>
+            </a:r>
+          </a:p>
+          <a:p>
+            <a:r>
+              <a:rPr lang="en-US" dirty="0"/>
+              <a:t>Focuses on the trust relationship</a:t>
+            </a:r>
+          </a:p>
+          <a:p>
+            <a:r>
+              <a:rPr lang="en-US" dirty="0"/>
+              <a:t>Removes the need for users to share their passwords with 3</a:t>
+            </a:r>
+            <a:r>
+              <a:rPr lang="en-US" baseline="30000" dirty="0"/>
+              <a:t>rd</a:t>
+            </a:r>
+            <a:r>
+              <a:rPr lang="en-US" dirty="0"/>
+              <a:t> party applications </a:t>
+            </a:r>
+          </a:p>
+          <a:p>
+            <a:endParaRPr lang="en-US" dirty="0"/>
           </a:p>
         </p:txBody>
       </p:sp>
@@ -5458,12 +6777,38 @@
             <p:ph idx="1"/>
           </p:nvPr>
         </p:nvSpPr>
-        <p:spPr/>
-        <p:txBody>
-          <a:bodyPr/>
-          <a:lstStyle/>
-          <a:p>
-            <a:endParaRPr lang="en-US"/>
+        <p:spPr>
+          <a:xfrm>
+            <a:off x="2197730" y="1154041"/>
+            <a:ext cx="7796540" cy="3997828"/>
+          </a:xfrm>
+        </p:spPr>
+        <p:txBody>
+          <a:bodyPr/>
+          <a:lstStyle/>
+          <a:p>
+            <a:r>
+              <a:rPr lang="en-US" dirty="0"/>
+              <a:t>Grants access with tokens </a:t>
+            </a:r>
+          </a:p>
+          <a:p>
+            <a:r>
+              <a:rPr lang="en-US" dirty="0"/>
+              <a:t>Lets application in </a:t>
+            </a:r>
+          </a:p>
+          <a:p>
+            <a:r>
+              <a:rPr lang="en-US" dirty="0"/>
+              <a:t>Does not expose credentials </a:t>
+            </a:r>
+          </a:p>
+          <a:p>
+            <a:r>
+              <a:rPr lang="en-US" dirty="0"/>
+              <a:t>Can limit access &amp; revoke whenever </a:t>
+            </a:r>
           </a:p>
         </p:txBody>
       </p:sp>
@@ -5541,12 +6886,44 @@
             <p:ph idx="1"/>
           </p:nvPr>
         </p:nvSpPr>
-        <p:spPr/>
-        <p:txBody>
-          <a:bodyPr/>
-          <a:lstStyle/>
-          <a:p>
-            <a:endParaRPr lang="en-US"/>
+        <p:spPr>
+          <a:xfrm>
+            <a:off x="2197730" y="1346670"/>
+            <a:ext cx="8372409" cy="4412309"/>
+          </a:xfrm>
+        </p:spPr>
+        <p:txBody>
+          <a:bodyPr/>
+          <a:lstStyle/>
+          <a:p>
+            <a:r>
+              <a:rPr lang="en-US" dirty="0"/>
+              <a:t>Has a prearranged IdP-RP trust relationship </a:t>
+            </a:r>
+          </a:p>
+          <a:p>
+            <a:r>
+              <a:rPr lang="en-US" dirty="0"/>
+              <a:t>Access to key user groups</a:t>
+            </a:r>
+          </a:p>
+          <a:p>
+            <a:r>
+              <a:rPr lang="en-US" dirty="0"/>
+              <a:t>Access to broad user populations</a:t>
+            </a:r>
+          </a:p>
+          <a:p>
+            <a:r>
+              <a:rPr lang="en-US" dirty="0"/>
+              <a:t>Leverages UX &amp; account-linking best practices </a:t>
+            </a:r>
+          </a:p>
+          <a:p>
+            <a:r>
+              <a:rPr lang="en-US" dirty="0"/>
+              <a:t>Access token that can be exchanged for supported assertion via API</a:t>
+            </a:r>
           </a:p>
         </p:txBody>
       </p:sp>
@@ -5624,10 +7001,27 @@
             <p:ph idx="1"/>
           </p:nvPr>
         </p:nvSpPr>
-        <p:spPr/>
-        <p:txBody>
-          <a:bodyPr/>
-          <a:lstStyle/>
+        <p:spPr>
+          <a:xfrm>
+            <a:off x="2197730" y="1346670"/>
+            <a:ext cx="7796540" cy="3997828"/>
+          </a:xfrm>
+        </p:spPr>
+        <p:txBody>
+          <a:bodyPr/>
+          <a:lstStyle/>
+          <a:p>
+            <a:r>
+              <a:rPr lang="en-US" dirty="0"/>
+              <a:t>Can be complex for developers</a:t>
+            </a:r>
+          </a:p>
+          <a:p>
+            <a:r>
+              <a:rPr lang="en-US" dirty="0"/>
+              <a:t>Poses risks for users</a:t>
+            </a:r>
+          </a:p>
           <a:p>
             <a:endParaRPr lang="en-US" dirty="0"/>
           </a:p>
@@ -5865,4 +7259,319 @@
     </a:ext>
   </a:extLst>
 </a:theme>
+</file>
+
+<file path=ppt/theme/theme2.xml><?xml version="1.0" encoding="utf-8"?>
+<a:theme xmlns:a="http://schemas.openxmlformats.org/drawingml/2006/main" name="Office Theme">
+  <a:themeElements>
+    <a:clrScheme name="Office">
+      <a:dk1>
+        <a:sysClr val="windowText" lastClr="000000"/>
+      </a:dk1>
+      <a:lt1>
+        <a:sysClr val="window" lastClr="FFFFFF"/>
+      </a:lt1>
+      <a:dk2>
+        <a:srgbClr val="0E2841"/>
+      </a:dk2>
+      <a:lt2>
+        <a:srgbClr val="E8E8E8"/>
+      </a:lt2>
+      <a:accent1>
+        <a:srgbClr val="156082"/>
+      </a:accent1>
+      <a:accent2>
+        <a:srgbClr val="E97132"/>
+      </a:accent2>
+      <a:accent3>
+        <a:srgbClr val="196B24"/>
+      </a:accent3>
+      <a:accent4>
+        <a:srgbClr val="0F9ED5"/>
+      </a:accent4>
+      <a:accent5>
+        <a:srgbClr val="A02B93"/>
+      </a:accent5>
+      <a:accent6>
+        <a:srgbClr val="4EA72E"/>
+      </a:accent6>
+      <a:hlink>
+        <a:srgbClr val="467886"/>
+      </a:hlink>
+      <a:folHlink>
+        <a:srgbClr val="96607D"/>
+      </a:folHlink>
+    </a:clrScheme>
+    <a:fontScheme name="Office">
+      <a:majorFont>
+        <a:latin typeface="Aptos Display" panose="02110004020202020204"/>
+        <a:ea typeface=""/>
+        <a:cs typeface=""/>
+        <a:font script="Jpan" typeface="游ゴシック Light"/>
+        <a:font script="Hang" typeface="맑은 고딕"/>
+        <a:font script="Hans" typeface="等线 Light"/>
+        <a:font script="Hant" typeface="新細明體"/>
+        <a:font script="Arab" typeface="Times New Roman"/>
+        <a:font script="Hebr" typeface="Times New Roman"/>
+        <a:font script="Thai" typeface="Angsana New"/>
+        <a:font script="Ethi" typeface="Nyala"/>
+        <a:font script="Beng" typeface="Vrinda"/>
+        <a:font script="Gujr" typeface="Shruti"/>
+        <a:font script="Khmr" typeface="MoolBoran"/>
+        <a:font script="Knda" typeface="Tunga"/>
+        <a:font script="Guru" typeface="Raavi"/>
+        <a:font script="Cans" typeface="Euphemia"/>
+        <a:font script="Cher" typeface="Plantagenet Cherokee"/>
+        <a:font script="Yiii" typeface="Microsoft Yi Baiti"/>
+        <a:font script="Tibt" typeface="Microsoft Himalaya"/>
+        <a:font script="Thaa" typeface="MV Boli"/>
+        <a:font script="Deva" typeface="Mangal"/>
+        <a:font script="Telu" typeface="Gautami"/>
+        <a:font script="Taml" typeface="Latha"/>
+        <a:font script="Syrc" typeface="Estrangelo Edessa"/>
+        <a:font script="Orya" typeface="Kalinga"/>
+        <a:font script="Mlym" typeface="Kartika"/>
+        <a:font script="Laoo" typeface="DokChampa"/>
+        <a:font script="Sinh" typeface="Iskoola Pota"/>
+        <a:font script="Mong" typeface="Mongolian Baiti"/>
+        <a:font script="Viet" typeface="Times New Roman"/>
+        <a:font script="Uigh" typeface="Microsoft Uighur"/>
+        <a:font script="Geor" typeface="Sylfaen"/>
+        <a:font script="Armn" typeface="Arial"/>
+        <a:font script="Bugi" typeface="Leelawadee UI"/>
+        <a:font script="Bopo" typeface="Microsoft JhengHei"/>
+        <a:font script="Java" typeface="Javanese Text"/>
+        <a:font script="Lisu" typeface="Segoe UI"/>
+        <a:font script="Mymr" typeface="Myanmar Text"/>
+        <a:font script="Nkoo" typeface="Ebrima"/>
+        <a:font script="Olck" typeface="Nirmala UI"/>
+        <a:font script="Osma" typeface="Ebrima"/>
+        <a:font script="Phag" typeface="Phagspa"/>
+        <a:font script="Syrn" typeface="Estrangelo Edessa"/>
+        <a:font script="Syrj" typeface="Estrangelo Edessa"/>
+        <a:font script="Syre" typeface="Estrangelo Edessa"/>
+        <a:font script="Sora" typeface="Nirmala UI"/>
+        <a:font script="Tale" typeface="Microsoft Tai Le"/>
+        <a:font script="Talu" typeface="Microsoft New Tai Lue"/>
+        <a:font script="Tfng" typeface="Ebrima"/>
+      </a:majorFont>
+      <a:minorFont>
+        <a:latin typeface="Aptos" panose="02110004020202020204"/>
+        <a:ea typeface=""/>
+        <a:cs typeface=""/>
+        <a:font script="Jpan" typeface="游ゴシック"/>
+        <a:font script="Hang" typeface="맑은 고딕"/>
+        <a:font script="Hans" typeface="等线"/>
+        <a:font script="Hant" typeface="新細明體"/>
+        <a:font script="Arab" typeface="Arial"/>
+        <a:font script="Hebr" typeface="Arial"/>
+        <a:font script="Thai" typeface="Cordia New"/>
+        <a:font script="Ethi" typeface="Nyala"/>
+        <a:font script="Beng" typeface="Vrinda"/>
+        <a:font script="Gujr" typeface="Shruti"/>
+        <a:font script="Khmr" typeface="DaunPenh"/>
+        <a:font script="Knda" typeface="Tunga"/>
+        <a:font script="Guru" typeface="Raavi"/>
+        <a:font script="Cans" typeface="Euphemia"/>
+        <a:font script="Cher" typeface="Plantagenet Cherokee"/>
+        <a:font script="Yiii" typeface="Microsoft Yi Baiti"/>
+        <a:font script="Tibt" typeface="Microsoft Himalaya"/>
+        <a:font script="Thaa" typeface="MV Boli"/>
+        <a:font script="Deva" typeface="Mangal"/>
+        <a:font script="Telu" typeface="Gautami"/>
+        <a:font script="Taml" typeface="Latha"/>
+        <a:font script="Syrc" typeface="Estrangelo Edessa"/>
+        <a:font script="Orya" typeface="Kalinga"/>
+        <a:font script="Mlym" typeface="Kartika"/>
+        <a:font script="Laoo" typeface="DokChampa"/>
+        <a:font script="Sinh" typeface="Iskoola Pota"/>
+        <a:font script="Mong" typeface="Mongolian Baiti"/>
+        <a:font script="Viet" typeface="Arial"/>
+        <a:font script="Uigh" typeface="Microsoft Uighur"/>
+        <a:font script="Geor" typeface="Sylfaen"/>
+        <a:font script="Armn" typeface="Arial"/>
+        <a:font script="Bugi" typeface="Leelawadee UI"/>
+        <a:font script="Bopo" typeface="Microsoft JhengHei"/>
+        <a:font script="Java" typeface="Javanese Text"/>
+        <a:font script="Lisu" typeface="Segoe UI"/>
+        <a:font script="Mymr" typeface="Myanmar Text"/>
+        <a:font script="Nkoo" typeface="Ebrima"/>
+        <a:font script="Olck" typeface="Nirmala UI"/>
+        <a:font script="Osma" typeface="Ebrima"/>
+        <a:font script="Phag" typeface="Phagspa"/>
+        <a:font script="Syrn" typeface="Estrangelo Edessa"/>
+        <a:font script="Syrj" typeface="Estrangelo Edessa"/>
+        <a:font script="Syre" typeface="Estrangelo Edessa"/>
+        <a:font script="Sora" typeface="Nirmala UI"/>
+        <a:font script="Tale" typeface="Microsoft Tai Le"/>
+        <a:font script="Talu" typeface="Microsoft New Tai Lue"/>
+        <a:font script="Tfng" typeface="Ebrima"/>
+      </a:minorFont>
+    </a:fontScheme>
+    <a:fmtScheme name="Office">
+      <a:fillStyleLst>
+        <a:solidFill>
+          <a:schemeClr val="phClr"/>
+        </a:solidFill>
+        <a:gradFill rotWithShape="1">
+          <a:gsLst>
+            <a:gs pos="0">
+              <a:schemeClr val="phClr">
+                <a:lumMod val="110000"/>
+                <a:satMod val="105000"/>
+                <a:tint val="67000"/>
+              </a:schemeClr>
+            </a:gs>
+            <a:gs pos="50000">
+              <a:schemeClr val="phClr">
+                <a:lumMod val="105000"/>
+                <a:satMod val="103000"/>
+                <a:tint val="73000"/>
+              </a:schemeClr>
+            </a:gs>
+            <a:gs pos="100000">
+              <a:schemeClr val="phClr">
+                <a:lumMod val="105000"/>
+                <a:satMod val="109000"/>
+                <a:tint val="81000"/>
+              </a:schemeClr>
+            </a:gs>
+          </a:gsLst>
+          <a:lin ang="5400000" scaled="0"/>
+        </a:gradFill>
+        <a:gradFill rotWithShape="1">
+          <a:gsLst>
+            <a:gs pos="0">
+              <a:schemeClr val="phClr">
+                <a:satMod val="103000"/>
+                <a:lumMod val="102000"/>
+                <a:tint val="94000"/>
+              </a:schemeClr>
+            </a:gs>
+            <a:gs pos="50000">
+              <a:schemeClr val="phClr">
+                <a:satMod val="110000"/>
+                <a:lumMod val="100000"/>
+                <a:shade val="100000"/>
+              </a:schemeClr>
+            </a:gs>
+            <a:gs pos="100000">
+              <a:schemeClr val="phClr">
+                <a:lumMod val="99000"/>
+                <a:satMod val="120000"/>
+                <a:shade val="78000"/>
+              </a:schemeClr>
+            </a:gs>
+          </a:gsLst>
+          <a:lin ang="5400000" scaled="0"/>
+        </a:gradFill>
+      </a:fillStyleLst>
+      <a:lnStyleLst>
+        <a:ln w="12700" cap="flat" cmpd="sng" algn="ctr">
+          <a:solidFill>
+            <a:schemeClr val="phClr"/>
+          </a:solidFill>
+          <a:prstDash val="solid"/>
+          <a:miter lim="800000"/>
+        </a:ln>
+        <a:ln w="19050" cap="flat" cmpd="sng" algn="ctr">
+          <a:solidFill>
+            <a:schemeClr val="phClr"/>
+          </a:solidFill>
+          <a:prstDash val="solid"/>
+          <a:miter lim="800000"/>
+        </a:ln>
+        <a:ln w="25400" cap="flat" cmpd="sng" algn="ctr">
+          <a:solidFill>
+            <a:schemeClr val="phClr"/>
+          </a:solidFill>
+          <a:prstDash val="solid"/>
+          <a:miter lim="800000"/>
+        </a:ln>
+      </a:lnStyleLst>
+      <a:effectStyleLst>
+        <a:effectStyle>
+          <a:effectLst/>
+        </a:effectStyle>
+        <a:effectStyle>
+          <a:effectLst/>
+        </a:effectStyle>
+        <a:effectStyle>
+          <a:effectLst>
+            <a:outerShdw blurRad="57150" dist="19050" dir="5400000" algn="ctr" rotWithShape="0">
+              <a:srgbClr val="000000">
+                <a:alpha val="63000"/>
+              </a:srgbClr>
+            </a:outerShdw>
+          </a:effectLst>
+        </a:effectStyle>
+      </a:effectStyleLst>
+      <a:bgFillStyleLst>
+        <a:solidFill>
+          <a:schemeClr val="phClr"/>
+        </a:solidFill>
+        <a:solidFill>
+          <a:schemeClr val="phClr">
+            <a:tint val="95000"/>
+            <a:satMod val="170000"/>
+          </a:schemeClr>
+        </a:solidFill>
+        <a:gradFill rotWithShape="1">
+          <a:gsLst>
+            <a:gs pos="0">
+              <a:schemeClr val="phClr">
+                <a:tint val="93000"/>
+                <a:satMod val="150000"/>
+                <a:shade val="98000"/>
+                <a:lumMod val="102000"/>
+              </a:schemeClr>
+            </a:gs>
+            <a:gs pos="50000">
+              <a:schemeClr val="phClr">
+                <a:tint val="98000"/>
+                <a:satMod val="130000"/>
+                <a:shade val="90000"/>
+                <a:lumMod val="103000"/>
+              </a:schemeClr>
+            </a:gs>
+            <a:gs pos="100000">
+              <a:schemeClr val="phClr">
+                <a:shade val="63000"/>
+                <a:satMod val="120000"/>
+              </a:schemeClr>
+            </a:gs>
+          </a:gsLst>
+          <a:lin ang="5400000" scaled="0"/>
+        </a:gradFill>
+      </a:bgFillStyleLst>
+    </a:fmtScheme>
+  </a:themeElements>
+  <a:objectDefaults>
+    <a:lnDef>
+      <a:spPr/>
+      <a:bodyPr/>
+      <a:lstStyle/>
+      <a:style>
+        <a:lnRef idx="2">
+          <a:schemeClr val="accent1"/>
+        </a:lnRef>
+        <a:fillRef idx="0">
+          <a:schemeClr val="accent1"/>
+        </a:fillRef>
+        <a:effectRef idx="1">
+          <a:schemeClr val="accent1"/>
+        </a:effectRef>
+        <a:fontRef idx="minor">
+          <a:schemeClr val="tx1"/>
+        </a:fontRef>
+      </a:style>
+    </a:lnDef>
+  </a:objectDefaults>
+  <a:extraClrSchemeLst/>
+  <a:extLst>
+    <a:ext uri="{05A4C25C-085E-4340-85A3-A5531E510DB2}">
+      <thm15:themeFamily xmlns:thm15="http://schemas.microsoft.com/office/thememl/2012/main" name="Office Theme" id="{2E142A2C-CD16-42D6-873A-C26D2A0506FA}" vid="{1BDDFF52-6CD6-40A5-AB3C-68EB2F1E4D0A}"/>
+    </a:ext>
+  </a:extLst>
+</a:theme>
 </file>